--- a/Detecting Spam Web Pages through Content Analysis.pptx
+++ b/Detecting Spam Web Pages through Content Analysis.pptx
@@ -24,7 +24,9 @@
     <p:sldId id="272" r:id="rId18"/>
     <p:sldId id="273" r:id="rId19"/>
     <p:sldId id="274" r:id="rId20"/>
-    <p:sldId id="275" r:id="rId21"/>
+    <p:sldId id="276" r:id="rId21"/>
+    <p:sldId id="275" r:id="rId22"/>
+    <p:sldId id="277" r:id="rId23"/>
   </p:sldIdLst>
   <p:sldSz cx="9144000" cy="6858000" type="screen4x3"/>
   <p:notesSz cx="6858000" cy="9144000"/>
@@ -751,7 +753,8 @@
           <a:p>
             <a:fld id="{CF519B20-0ABC-4C7B-8C74-351B124823B0}" type="datetimeFigureOut">
               <a:rPr lang="en-US" smtClean="0"/>
-              <a:t>4/4/2013</a:t>
+              <a:pPr/>
+              <a:t>4/8/2013</a:t>
             </a:fld>
             <a:endParaRPr lang="en-US"/>
           </a:p>
@@ -813,6 +816,7 @@
           <a:p>
             <a:fld id="{2C053CF8-F7E4-441A-941B-04AC0F09A836}" type="slidenum">
               <a:rPr lang="en-US" smtClean="0"/>
+              <a:pPr/>
               <a:t>‹#›</a:t>
             </a:fld>
             <a:endParaRPr lang="en-US"/>
@@ -947,7 +951,8 @@
           <a:p>
             <a:fld id="{CF519B20-0ABC-4C7B-8C74-351B124823B0}" type="datetimeFigureOut">
               <a:rPr lang="en-US" smtClean="0"/>
-              <a:t>4/4/2013</a:t>
+              <a:pPr/>
+              <a:t>4/8/2013</a:t>
             </a:fld>
             <a:endParaRPr lang="en-US"/>
           </a:p>
@@ -993,6 +998,7 @@
           <a:p>
             <a:fld id="{2C053CF8-F7E4-441A-941B-04AC0F09A836}" type="slidenum">
               <a:rPr lang="en-US" smtClean="0"/>
+              <a:pPr/>
               <a:t>‹#›</a:t>
             </a:fld>
             <a:endParaRPr lang="en-US"/>
@@ -1132,7 +1138,8 @@
           <a:p>
             <a:fld id="{CF519B20-0ABC-4C7B-8C74-351B124823B0}" type="datetimeFigureOut">
               <a:rPr lang="en-US" smtClean="0"/>
-              <a:t>4/4/2013</a:t>
+              <a:pPr/>
+              <a:t>4/8/2013</a:t>
             </a:fld>
             <a:endParaRPr lang="en-US"/>
           </a:p>
@@ -1178,6 +1185,7 @@
           <a:p>
             <a:fld id="{2C053CF8-F7E4-441A-941B-04AC0F09A836}" type="slidenum">
               <a:rPr lang="en-US" smtClean="0"/>
+              <a:pPr/>
               <a:t>‹#›</a:t>
             </a:fld>
             <a:endParaRPr lang="en-US"/>
@@ -1282,7 +1290,8 @@
           <a:p>
             <a:fld id="{CF519B20-0ABC-4C7B-8C74-351B124823B0}" type="datetimeFigureOut">
               <a:rPr lang="en-US" smtClean="0"/>
-              <a:t>4/4/2013</a:t>
+              <a:pPr/>
+              <a:t>4/8/2013</a:t>
             </a:fld>
             <a:endParaRPr lang="en-US"/>
           </a:p>
@@ -1328,6 +1337,7 @@
           <a:p>
             <a:fld id="{2C053CF8-F7E4-441A-941B-04AC0F09A836}" type="slidenum">
               <a:rPr lang="en-US" smtClean="0"/>
+              <a:pPr/>
               <a:t>‹#›</a:t>
             </a:fld>
             <a:endParaRPr lang="en-US"/>
@@ -1537,7 +1547,8 @@
           <a:p>
             <a:fld id="{CF519B20-0ABC-4C7B-8C74-351B124823B0}" type="datetimeFigureOut">
               <a:rPr lang="en-US" smtClean="0"/>
-              <a:t>4/4/2013</a:t>
+              <a:pPr/>
+              <a:t>4/8/2013</a:t>
             </a:fld>
             <a:endParaRPr lang="en-US"/>
           </a:p>
@@ -1583,6 +1594,7 @@
           <a:p>
             <a:fld id="{2C053CF8-F7E4-441A-941B-04AC0F09A836}" type="slidenum">
               <a:rPr lang="en-US" smtClean="0"/>
+              <a:pPr/>
               <a:t>‹#›</a:t>
             </a:fld>
             <a:endParaRPr lang="en-US"/>
@@ -1946,7 +1958,8 @@
           <a:p>
             <a:fld id="{CF519B20-0ABC-4C7B-8C74-351B124823B0}" type="datetimeFigureOut">
               <a:rPr lang="en-US" smtClean="0"/>
-              <a:t>4/4/2013</a:t>
+              <a:pPr/>
+              <a:t>4/8/2013</a:t>
             </a:fld>
             <a:endParaRPr lang="en-US"/>
           </a:p>
@@ -1992,6 +2005,7 @@
           <a:p>
             <a:fld id="{2C053CF8-F7E4-441A-941B-04AC0F09A836}" type="slidenum">
               <a:rPr lang="en-US" smtClean="0"/>
+              <a:pPr/>
               <a:t>‹#›</a:t>
             </a:fld>
             <a:endParaRPr lang="en-US"/>
@@ -2392,7 +2406,8 @@
           <a:p>
             <a:fld id="{CF519B20-0ABC-4C7B-8C74-351B124823B0}" type="datetimeFigureOut">
               <a:rPr lang="en-US" smtClean="0"/>
-              <a:t>4/4/2013</a:t>
+              <a:pPr/>
+              <a:t>4/8/2013</a:t>
             </a:fld>
             <a:endParaRPr lang="en-US"/>
           </a:p>
@@ -2438,6 +2453,7 @@
           <a:p>
             <a:fld id="{2C053CF8-F7E4-441A-941B-04AC0F09A836}" type="slidenum">
               <a:rPr lang="en-US" smtClean="0"/>
+              <a:pPr/>
               <a:t>‹#›</a:t>
             </a:fld>
             <a:endParaRPr lang="en-US"/>
@@ -2493,7 +2509,8 @@
           <a:p>
             <a:fld id="{CF519B20-0ABC-4C7B-8C74-351B124823B0}" type="datetimeFigureOut">
               <a:rPr lang="en-US" smtClean="0"/>
-              <a:t>4/4/2013</a:t>
+              <a:pPr/>
+              <a:t>4/8/2013</a:t>
             </a:fld>
             <a:endParaRPr lang="en-US"/>
           </a:p>
@@ -2539,6 +2556,7 @@
           <a:p>
             <a:fld id="{2C053CF8-F7E4-441A-941B-04AC0F09A836}" type="slidenum">
               <a:rPr lang="en-US" smtClean="0"/>
+              <a:pPr/>
               <a:t>‹#›</a:t>
             </a:fld>
             <a:endParaRPr lang="en-US"/>
@@ -2614,7 +2632,8 @@
           <a:p>
             <a:fld id="{CF519B20-0ABC-4C7B-8C74-351B124823B0}" type="datetimeFigureOut">
               <a:rPr lang="en-US" smtClean="0"/>
-              <a:t>4/4/2013</a:t>
+              <a:pPr/>
+              <a:t>4/8/2013</a:t>
             </a:fld>
             <a:endParaRPr lang="en-US"/>
           </a:p>
@@ -2660,6 +2679,7 @@
           <a:p>
             <a:fld id="{2C053CF8-F7E4-441A-941B-04AC0F09A836}" type="slidenum">
               <a:rPr lang="en-US" smtClean="0"/>
+              <a:pPr/>
               <a:t>‹#›</a:t>
             </a:fld>
             <a:endParaRPr lang="en-US"/>
@@ -2888,7 +2908,8 @@
           <a:p>
             <a:fld id="{CF519B20-0ABC-4C7B-8C74-351B124823B0}" type="datetimeFigureOut">
               <a:rPr lang="en-US" smtClean="0"/>
-              <a:t>4/4/2013</a:t>
+              <a:pPr/>
+              <a:t>4/8/2013</a:t>
             </a:fld>
             <a:endParaRPr lang="en-US"/>
           </a:p>
@@ -2934,6 +2955,7 @@
           <a:p>
             <a:fld id="{2C053CF8-F7E4-441A-941B-04AC0F09A836}" type="slidenum">
               <a:rPr lang="en-US" smtClean="0"/>
+              <a:pPr/>
               <a:t>‹#›</a:t>
             </a:fld>
             <a:endParaRPr lang="en-US"/>
@@ -3093,7 +3115,8 @@
           <a:p>
             <a:fld id="{CF519B20-0ABC-4C7B-8C74-351B124823B0}" type="datetimeFigureOut">
               <a:rPr lang="en-US" smtClean="0"/>
-              <a:t>4/4/2013</a:t>
+              <a:pPr/>
+              <a:t>4/8/2013</a:t>
             </a:fld>
             <a:endParaRPr lang="en-US"/>
           </a:p>
@@ -3158,6 +3181,7 @@
           <a:p>
             <a:fld id="{2C053CF8-F7E4-441A-941B-04AC0F09A836}" type="slidenum">
               <a:rPr lang="en-US" smtClean="0"/>
+              <a:pPr/>
               <a:t>‹#›</a:t>
             </a:fld>
             <a:endParaRPr lang="en-US"/>
@@ -4202,7 +4226,8 @@
           <a:p>
             <a:fld id="{CF519B20-0ABC-4C7B-8C74-351B124823B0}" type="datetimeFigureOut">
               <a:rPr lang="en-US" smtClean="0"/>
-              <a:t>4/4/2013</a:t>
+              <a:pPr/>
+              <a:t>4/8/2013</a:t>
             </a:fld>
             <a:endParaRPr lang="en-US"/>
           </a:p>
@@ -4278,6 +4303,7 @@
           <a:p>
             <a:fld id="{2C053CF8-F7E4-441A-941B-04AC0F09A836}" type="slidenum">
               <a:rPr lang="en-US" smtClean="0"/>
+              <a:pPr/>
               <a:t>‹#›</a:t>
             </a:fld>
             <a:endParaRPr lang="en-US"/>
@@ -5742,12 +5768,12 @@
       </p:grpSpPr>
       <p:sp>
         <p:nvSpPr>
-          <p:cNvPr id="2" name="Content Placeholder 1"/>
-          <p:cNvSpPr>
-            <a:spLocks noGrp="1"/>
-          </p:cNvSpPr>
-          <p:nvPr>
-            <p:ph idx="1"/>
+          <p:cNvPr id="3" name="Title 2"/>
+          <p:cNvSpPr>
+            <a:spLocks noGrp="1"/>
+          </p:cNvSpPr>
+          <p:nvPr>
+            <p:ph type="title"/>
           </p:nvPr>
         </p:nvSpPr>
         <p:spPr/>
@@ -5755,18 +5781,120 @@
           <a:bodyPr/>
           <a:lstStyle/>
           <a:p>
+            <a:pPr algn="ctr"/>
+            <a:r>
+              <a:rPr lang="en-US" dirty="0" smtClean="0"/>
+              <a:t>Testing the Decision Tree</a:t>
+            </a:r>
             <a:endParaRPr lang="en-US" dirty="0"/>
           </a:p>
         </p:txBody>
       </p:sp>
-      <p:sp>
-        <p:nvSpPr>
-          <p:cNvPr id="3" name="Title 2"/>
-          <p:cNvSpPr>
-            <a:spLocks noGrp="1"/>
-          </p:cNvSpPr>
-          <p:nvPr>
-            <p:ph type="title"/>
+      <p:pic>
+        <p:nvPicPr>
+          <p:cNvPr id="1026" name="Picture 2"/>
+          <p:cNvPicPr>
+            <a:picLocks noGrp="1" noChangeAspect="1" noChangeArrowheads="1"/>
+          </p:cNvPicPr>
+          <p:nvPr>
+            <p:ph idx="1"/>
+          </p:nvPr>
+        </p:nvPicPr>
+        <p:blipFill>
+          <a:blip r:embed="rId2" cstate="print"/>
+          <a:srcRect/>
+          <a:stretch>
+            <a:fillRect/>
+          </a:stretch>
+        </p:blipFill>
+        <p:spPr bwMode="auto">
+          <a:xfrm>
+            <a:off x="1600200" y="2743200"/>
+            <a:ext cx="5695950" cy="1581150"/>
+          </a:xfrm>
+          <a:prstGeom prst="rect">
+            <a:avLst/>
+          </a:prstGeom>
+          <a:noFill/>
+          <a:ln w="9525">
+            <a:noFill/>
+            <a:miter lim="800000"/>
+            <a:headEnd/>
+            <a:tailEnd/>
+          </a:ln>
+        </p:spPr>
+      </p:pic>
+      <p:sp>
+        <p:nvSpPr>
+          <p:cNvPr id="5" name="TextBox 4"/>
+          <p:cNvSpPr txBox="1"/>
+          <p:nvPr/>
+        </p:nvSpPr>
+        <p:spPr>
+          <a:xfrm>
+            <a:off x="1295400" y="2133600"/>
+            <a:ext cx="6248400" cy="461665"/>
+          </a:xfrm>
+          <a:prstGeom prst="rect">
+            <a:avLst/>
+          </a:prstGeom>
+          <a:noFill/>
+        </p:spPr>
+        <p:txBody>
+          <a:bodyPr wrap="square" rtlCol="0">
+            <a:spAutoFit/>
+          </a:bodyPr>
+          <a:lstStyle/>
+          <a:p>
+            <a:pPr algn="ctr"/>
+            <a:r>
+              <a:rPr lang="en-US" sz="2400" dirty="0" smtClean="0"/>
+              <a:t>Using 10-Fold Validation</a:t>
+            </a:r>
+            <a:endParaRPr lang="en-US" sz="2400" dirty="0"/>
+          </a:p>
+        </p:txBody>
+      </p:sp>
+    </p:spTree>
+  </p:cSld>
+  <p:clrMapOvr>
+    <a:masterClrMapping/>
+  </p:clrMapOvr>
+  <p:timing>
+    <p:tnLst>
+      <p:par>
+        <p:cTn id="1" dur="indefinite" restart="never" nodeType="tmRoot"/>
+      </p:par>
+    </p:tnLst>
+  </p:timing>
+</p:sld>
+</file>
+
+<file path=ppt/slides/slide21.xml><?xml version="1.0" encoding="utf-8"?>
+<p:sld xmlns:a="http://schemas.openxmlformats.org/drawingml/2006/main" xmlns:r="http://schemas.openxmlformats.org/officeDocument/2006/relationships" xmlns:p="http://schemas.openxmlformats.org/presentationml/2006/main">
+  <p:cSld>
+    <p:spTree>
+      <p:nvGrpSpPr>
+        <p:cNvPr id="1" name=""/>
+        <p:cNvGrpSpPr/>
+        <p:nvPr/>
+      </p:nvGrpSpPr>
+      <p:grpSpPr>
+        <a:xfrm>
+          <a:off x="0" y="0"/>
+          <a:ext cx="0" cy="0"/>
+          <a:chOff x="0" y="0"/>
+          <a:chExt cx="0" cy="0"/>
+        </a:xfrm>
+      </p:grpSpPr>
+      <p:sp>
+        <p:nvSpPr>
+          <p:cNvPr id="2" name="Content Placeholder 1"/>
+          <p:cNvSpPr>
+            <a:spLocks noGrp="1"/>
+          </p:cNvSpPr>
+          <p:nvPr>
+            <p:ph idx="1"/>
           </p:nvPr>
         </p:nvSpPr>
         <p:spPr/>
@@ -5774,10 +5902,201 @@
           <a:bodyPr/>
           <a:lstStyle/>
           <a:p>
+            <a:endParaRPr lang="en-US" dirty="0" smtClean="0"/>
+          </a:p>
+          <a:p>
+            <a:r>
+              <a:rPr lang="en-US" dirty="0" smtClean="0"/>
+              <a:t>Bagging</a:t>
+            </a:r>
+          </a:p>
+          <a:p>
+            <a:endParaRPr lang="en-US" dirty="0" smtClean="0"/>
+          </a:p>
+          <a:p>
+            <a:endParaRPr lang="en-US" dirty="0" smtClean="0"/>
+          </a:p>
+          <a:p>
+            <a:endParaRPr lang="en-US" dirty="0" smtClean="0"/>
+          </a:p>
+          <a:p>
+            <a:endParaRPr lang="en-US" dirty="0" smtClean="0"/>
+          </a:p>
+          <a:p>
+            <a:r>
+              <a:rPr lang="en-US" dirty="0" smtClean="0"/>
+              <a:t>Boosting</a:t>
+            </a:r>
+            <a:endParaRPr lang="en-US" dirty="0"/>
+          </a:p>
+        </p:txBody>
+      </p:sp>
+      <p:sp>
+        <p:nvSpPr>
+          <p:cNvPr id="3" name="Title 2"/>
+          <p:cNvSpPr>
+            <a:spLocks noGrp="1"/>
+          </p:cNvSpPr>
+          <p:nvPr>
+            <p:ph type="title"/>
+          </p:nvPr>
+        </p:nvSpPr>
+        <p:spPr/>
+        <p:txBody>
+          <a:bodyPr/>
+          <a:lstStyle/>
+          <a:p>
             <a:pPr algn="ctr"/>
             <a:r>
               <a:rPr lang="en-US" dirty="0" smtClean="0"/>
-              <a:t>Number of Words in Title</a:t>
+              <a:t>Improving Accuracy</a:t>
+            </a:r>
+            <a:endParaRPr lang="en-US" dirty="0"/>
+          </a:p>
+        </p:txBody>
+      </p:sp>
+      <p:pic>
+        <p:nvPicPr>
+          <p:cNvPr id="2050" name="Picture 2"/>
+          <p:cNvPicPr>
+            <a:picLocks noChangeAspect="1" noChangeArrowheads="1"/>
+          </p:cNvPicPr>
+          <p:nvPr/>
+        </p:nvPicPr>
+        <p:blipFill>
+          <a:blip r:embed="rId2" cstate="print"/>
+          <a:srcRect/>
+          <a:stretch>
+            <a:fillRect/>
+          </a:stretch>
+        </p:blipFill>
+        <p:spPr bwMode="auto">
+          <a:xfrm>
+            <a:off x="2743200" y="1600200"/>
+            <a:ext cx="5715000" cy="1543050"/>
+          </a:xfrm>
+          <a:prstGeom prst="rect">
+            <a:avLst/>
+          </a:prstGeom>
+          <a:noFill/>
+          <a:ln w="9525">
+            <a:noFill/>
+            <a:miter lim="800000"/>
+            <a:headEnd/>
+            <a:tailEnd/>
+          </a:ln>
+        </p:spPr>
+      </p:pic>
+      <p:pic>
+        <p:nvPicPr>
+          <p:cNvPr id="2051" name="Picture 3"/>
+          <p:cNvPicPr>
+            <a:picLocks noChangeAspect="1" noChangeArrowheads="1"/>
+          </p:cNvPicPr>
+          <p:nvPr/>
+        </p:nvPicPr>
+        <p:blipFill>
+          <a:blip r:embed="rId3" cstate="print"/>
+          <a:srcRect/>
+          <a:stretch>
+            <a:fillRect/>
+          </a:stretch>
+        </p:blipFill>
+        <p:spPr bwMode="auto">
+          <a:xfrm>
+            <a:off x="2743200" y="3886200"/>
+            <a:ext cx="5743575" cy="1533525"/>
+          </a:xfrm>
+          <a:prstGeom prst="rect">
+            <a:avLst/>
+          </a:prstGeom>
+          <a:noFill/>
+          <a:ln w="9525">
+            <a:noFill/>
+            <a:miter lim="800000"/>
+            <a:headEnd/>
+            <a:tailEnd/>
+          </a:ln>
+        </p:spPr>
+      </p:pic>
+    </p:spTree>
+  </p:cSld>
+  <p:clrMapOvr>
+    <a:masterClrMapping/>
+  </p:clrMapOvr>
+  <p:timing>
+    <p:tnLst>
+      <p:par>
+        <p:cTn id="1" dur="indefinite" restart="never" nodeType="tmRoot"/>
+      </p:par>
+    </p:tnLst>
+  </p:timing>
+</p:sld>
+</file>
+
+<file path=ppt/slides/slide22.xml><?xml version="1.0" encoding="utf-8"?>
+<p:sld xmlns:a="http://schemas.openxmlformats.org/drawingml/2006/main" xmlns:r="http://schemas.openxmlformats.org/officeDocument/2006/relationships" xmlns:p="http://schemas.openxmlformats.org/presentationml/2006/main">
+  <p:cSld>
+    <p:spTree>
+      <p:nvGrpSpPr>
+        <p:cNvPr id="1" name=""/>
+        <p:cNvGrpSpPr/>
+        <p:nvPr/>
+      </p:nvGrpSpPr>
+      <p:grpSpPr>
+        <a:xfrm>
+          <a:off x="0" y="0"/>
+          <a:ext cx="0" cy="0"/>
+          <a:chOff x="0" y="0"/>
+          <a:chExt cx="0" cy="0"/>
+        </a:xfrm>
+      </p:grpSpPr>
+      <p:sp>
+        <p:nvSpPr>
+          <p:cNvPr id="2" name="Content Placeholder 1"/>
+          <p:cNvSpPr>
+            <a:spLocks noGrp="1"/>
+          </p:cNvSpPr>
+          <p:nvPr>
+            <p:ph idx="1"/>
+          </p:nvPr>
+        </p:nvSpPr>
+        <p:spPr/>
+        <p:txBody>
+          <a:bodyPr/>
+          <a:lstStyle/>
+          <a:p>
+            <a:r>
+              <a:rPr lang="en-US" dirty="0" smtClean="0"/>
+              <a:t>Stuff </a:t>
+            </a:r>
+            <a:r>
+              <a:rPr lang="en-US" smtClean="0"/>
+              <a:t>and things</a:t>
+            </a:r>
+            <a:endParaRPr lang="en-US" dirty="0"/>
+          </a:p>
+        </p:txBody>
+      </p:sp>
+      <p:sp>
+        <p:nvSpPr>
+          <p:cNvPr id="3" name="Title 2"/>
+          <p:cNvSpPr>
+            <a:spLocks noGrp="1"/>
+          </p:cNvSpPr>
+          <p:nvPr>
+            <p:ph type="title"/>
+          </p:nvPr>
+        </p:nvSpPr>
+        <p:spPr/>
+        <p:txBody>
+          <a:bodyPr/>
+          <a:lstStyle/>
+          <a:p>
+            <a:pPr algn="ctr"/>
+            <a:r>
+              <a:rPr lang="en-US" dirty="0" smtClean="0"/>
+              <a:t>Conclusions and Related Work</a:t>
             </a:r>
             <a:endParaRPr lang="en-US" dirty="0"/>
           </a:p>

--- a/Detecting Spam Web Pages through Content Analysis.pptx
+++ b/Detecting Spam Web Pages through Content Analysis.pptx
@@ -27,6 +27,7 @@
     <p:sldId id="276" r:id="rId21"/>
     <p:sldId id="275" r:id="rId22"/>
     <p:sldId id="277" r:id="rId23"/>
+    <p:sldId id="278" r:id="rId24"/>
   </p:sldIdLst>
   <p:sldSz cx="9144000" cy="6858000" type="screen4x3"/>
   <p:notesSz cx="6858000" cy="9144000"/>
@@ -754,7 +755,7 @@
             <a:fld id="{CF519B20-0ABC-4C7B-8C74-351B124823B0}" type="datetimeFigureOut">
               <a:rPr lang="en-US" smtClean="0"/>
               <a:pPr/>
-              <a:t>4/8/2013</a:t>
+              <a:t>4/17/2013</a:t>
             </a:fld>
             <a:endParaRPr lang="en-US"/>
           </a:p>
@@ -952,7 +953,7 @@
             <a:fld id="{CF519B20-0ABC-4C7B-8C74-351B124823B0}" type="datetimeFigureOut">
               <a:rPr lang="en-US" smtClean="0"/>
               <a:pPr/>
-              <a:t>4/8/2013</a:t>
+              <a:t>4/17/2013</a:t>
             </a:fld>
             <a:endParaRPr lang="en-US"/>
           </a:p>
@@ -1139,7 +1140,7 @@
             <a:fld id="{CF519B20-0ABC-4C7B-8C74-351B124823B0}" type="datetimeFigureOut">
               <a:rPr lang="en-US" smtClean="0"/>
               <a:pPr/>
-              <a:t>4/8/2013</a:t>
+              <a:t>4/17/2013</a:t>
             </a:fld>
             <a:endParaRPr lang="en-US"/>
           </a:p>
@@ -1291,7 +1292,7 @@
             <a:fld id="{CF519B20-0ABC-4C7B-8C74-351B124823B0}" type="datetimeFigureOut">
               <a:rPr lang="en-US" smtClean="0"/>
               <a:pPr/>
-              <a:t>4/8/2013</a:t>
+              <a:t>4/17/2013</a:t>
             </a:fld>
             <a:endParaRPr lang="en-US"/>
           </a:p>
@@ -1548,7 +1549,7 @@
             <a:fld id="{CF519B20-0ABC-4C7B-8C74-351B124823B0}" type="datetimeFigureOut">
               <a:rPr lang="en-US" smtClean="0"/>
               <a:pPr/>
-              <a:t>4/8/2013</a:t>
+              <a:t>4/17/2013</a:t>
             </a:fld>
             <a:endParaRPr lang="en-US"/>
           </a:p>
@@ -1959,7 +1960,7 @@
             <a:fld id="{CF519B20-0ABC-4C7B-8C74-351B124823B0}" type="datetimeFigureOut">
               <a:rPr lang="en-US" smtClean="0"/>
               <a:pPr/>
-              <a:t>4/8/2013</a:t>
+              <a:t>4/17/2013</a:t>
             </a:fld>
             <a:endParaRPr lang="en-US"/>
           </a:p>
@@ -2407,7 +2408,7 @@
             <a:fld id="{CF519B20-0ABC-4C7B-8C74-351B124823B0}" type="datetimeFigureOut">
               <a:rPr lang="en-US" smtClean="0"/>
               <a:pPr/>
-              <a:t>4/8/2013</a:t>
+              <a:t>4/17/2013</a:t>
             </a:fld>
             <a:endParaRPr lang="en-US"/>
           </a:p>
@@ -2510,7 +2511,7 @@
             <a:fld id="{CF519B20-0ABC-4C7B-8C74-351B124823B0}" type="datetimeFigureOut">
               <a:rPr lang="en-US" smtClean="0"/>
               <a:pPr/>
-              <a:t>4/8/2013</a:t>
+              <a:t>4/17/2013</a:t>
             </a:fld>
             <a:endParaRPr lang="en-US"/>
           </a:p>
@@ -2633,7 +2634,7 @@
             <a:fld id="{CF519B20-0ABC-4C7B-8C74-351B124823B0}" type="datetimeFigureOut">
               <a:rPr lang="en-US" smtClean="0"/>
               <a:pPr/>
-              <a:t>4/8/2013</a:t>
+              <a:t>4/17/2013</a:t>
             </a:fld>
             <a:endParaRPr lang="en-US"/>
           </a:p>
@@ -2909,7 +2910,7 @@
             <a:fld id="{CF519B20-0ABC-4C7B-8C74-351B124823B0}" type="datetimeFigureOut">
               <a:rPr lang="en-US" smtClean="0"/>
               <a:pPr/>
-              <a:t>4/8/2013</a:t>
+              <a:t>4/17/2013</a:t>
             </a:fld>
             <a:endParaRPr lang="en-US"/>
           </a:p>
@@ -3116,7 +3117,7 @@
             <a:fld id="{CF519B20-0ABC-4C7B-8C74-351B124823B0}" type="datetimeFigureOut">
               <a:rPr lang="en-US" smtClean="0"/>
               <a:pPr/>
-              <a:t>4/8/2013</a:t>
+              <a:t>4/17/2013</a:t>
             </a:fld>
             <a:endParaRPr lang="en-US"/>
           </a:p>
@@ -4227,7 +4228,7 @@
             <a:fld id="{CF519B20-0ABC-4C7B-8C74-351B124823B0}" type="datetimeFigureOut">
               <a:rPr lang="en-US" smtClean="0"/>
               <a:pPr/>
-              <a:t>4/8/2013</a:t>
+              <a:t>4/17/2013</a:t>
             </a:fld>
             <a:endParaRPr lang="en-US"/>
           </a:p>
@@ -5515,8 +5516,21 @@
           <a:p>
             <a:r>
               <a:rPr lang="en-US" dirty="0" smtClean="0"/>
-              <a:t>The researchers used the data to create a  C4.5 decision tree classifier</a:t>
-            </a:r>
+              <a:t>The researchers used </a:t>
+            </a:r>
+            <a:r>
+              <a:rPr lang="en-US" dirty="0" smtClean="0"/>
+              <a:t>a C4.5 </a:t>
+            </a:r>
+            <a:r>
+              <a:rPr lang="en-US" dirty="0" smtClean="0"/>
+              <a:t>decision tree </a:t>
+            </a:r>
+            <a:r>
+              <a:rPr lang="en-US" dirty="0" smtClean="0"/>
+              <a:t>classifier</a:t>
+            </a:r>
+            <a:endParaRPr lang="en-US" dirty="0" smtClean="0"/>
           </a:p>
           <a:p>
             <a:pPr lvl="1"/>
@@ -5692,19 +5706,34 @@
           <a:p>
             <a:r>
               <a:rPr lang="en-US" dirty="0" smtClean="0"/>
-              <a:t>Why  is it a problem</a:t>
-            </a:r>
+              <a:t>Unethical method of Search Engine Optimization</a:t>
+            </a:r>
+          </a:p>
+          <a:p>
+            <a:endParaRPr lang="en-US" dirty="0" smtClean="0"/>
           </a:p>
           <a:p>
             <a:r>
               <a:rPr lang="en-US" dirty="0" smtClean="0"/>
-              <a:t>How does it affect businesses</a:t>
-            </a:r>
+              <a:t>Dummy pages that provide no useful content</a:t>
+            </a:r>
+          </a:p>
+          <a:p>
+            <a:endParaRPr lang="en-US" dirty="0" smtClean="0"/>
           </a:p>
           <a:p>
             <a:r>
               <a:rPr lang="en-US" dirty="0" smtClean="0"/>
-              <a:t>What is it</a:t>
+              <a:t>Pages with the sole purpose of increasing the ranking of other affiliated pages</a:t>
+            </a:r>
+          </a:p>
+          <a:p>
+            <a:endParaRPr lang="en-US" dirty="0"/>
+          </a:p>
+          <a:p>
+            <a:r>
+              <a:rPr lang="en-US" dirty="0" smtClean="0"/>
+              <a:t>Other methods focus solely in page links, this technique focuses on page content</a:t>
             </a:r>
             <a:endParaRPr lang="en-US" dirty="0"/>
           </a:p>
@@ -6066,14 +6095,33 @@
           <a:bodyPr/>
           <a:lstStyle/>
           <a:p>
+            <a:endParaRPr lang="en-US" dirty="0" smtClean="0"/>
+          </a:p>
+          <a:p>
             <a:r>
               <a:rPr lang="en-US" dirty="0" smtClean="0"/>
-              <a:t>Stuff </a:t>
-            </a:r>
-            <a:r>
-              <a:rPr lang="en-US" smtClean="0"/>
-              <a:t>and things</a:t>
-            </a:r>
+              <a:t>Some individual classifiers presented in the paper could be easily fooled</a:t>
+            </a:r>
+          </a:p>
+          <a:p>
+            <a:endParaRPr lang="en-US" dirty="0" smtClean="0"/>
+          </a:p>
+          <a:p>
+            <a:r>
+              <a:rPr lang="en-US" dirty="0" smtClean="0"/>
+              <a:t>Difficult to circumvent them all</a:t>
+            </a:r>
+          </a:p>
+          <a:p>
+            <a:endParaRPr lang="en-US" dirty="0" smtClean="0"/>
+          </a:p>
+          <a:p>
+            <a:r>
+              <a:rPr lang="en-US" dirty="0" smtClean="0"/>
+              <a:t>Effectiveness may still decrease with time</a:t>
+            </a:r>
+          </a:p>
+          <a:p>
             <a:endParaRPr lang="en-US" dirty="0"/>
           </a:p>
         </p:txBody>
@@ -6096,13 +6144,108 @@
             <a:pPr algn="ctr"/>
             <a:r>
               <a:rPr lang="en-US" dirty="0" smtClean="0"/>
-              <a:t>Conclusions and Related Work</a:t>
+              <a:t>Issues with Technique</a:t>
             </a:r>
             <a:endParaRPr lang="en-US" dirty="0"/>
           </a:p>
         </p:txBody>
       </p:sp>
     </p:spTree>
+  </p:cSld>
+  <p:clrMapOvr>
+    <a:masterClrMapping/>
+  </p:clrMapOvr>
+  <p:timing>
+    <p:tnLst>
+      <p:par>
+        <p:cTn id="1" dur="indefinite" restart="never" nodeType="tmRoot"/>
+      </p:par>
+    </p:tnLst>
+  </p:timing>
+</p:sld>
+</file>
+
+<file path=ppt/slides/slide23.xml><?xml version="1.0" encoding="utf-8"?>
+<p:sld xmlns:a="http://schemas.openxmlformats.org/drawingml/2006/main" xmlns:r="http://schemas.openxmlformats.org/officeDocument/2006/relationships" xmlns:p="http://schemas.openxmlformats.org/presentationml/2006/main">
+  <p:cSld>
+    <p:spTree>
+      <p:nvGrpSpPr>
+        <p:cNvPr id="1" name=""/>
+        <p:cNvGrpSpPr/>
+        <p:nvPr/>
+      </p:nvGrpSpPr>
+      <p:grpSpPr>
+        <a:xfrm>
+          <a:off x="0" y="0"/>
+          <a:ext cx="0" cy="0"/>
+          <a:chOff x="0" y="0"/>
+          <a:chExt cx="0" cy="0"/>
+        </a:xfrm>
+      </p:grpSpPr>
+      <p:sp>
+        <p:nvSpPr>
+          <p:cNvPr id="2" name="Content Placeholder 1"/>
+          <p:cNvSpPr>
+            <a:spLocks noGrp="1"/>
+          </p:cNvSpPr>
+          <p:nvPr>
+            <p:ph idx="1"/>
+          </p:nvPr>
+        </p:nvSpPr>
+        <p:spPr/>
+        <p:txBody>
+          <a:bodyPr/>
+          <a:lstStyle/>
+          <a:p>
+            <a:endParaRPr lang="en-US" dirty="0" smtClean="0"/>
+          </a:p>
+          <a:p>
+            <a:r>
+              <a:rPr lang="en-US" dirty="0" smtClean="0"/>
+              <a:t>Incorporate natural language techniques to recognize artificially generated text</a:t>
+            </a:r>
+          </a:p>
+          <a:p>
+            <a:endParaRPr lang="en-US" dirty="0"/>
+          </a:p>
+          <a:p>
+            <a:r>
+              <a:rPr lang="en-US" dirty="0" smtClean="0"/>
+              <a:t>Combine this approach in a multilayered spam-detection system</a:t>
+            </a:r>
+          </a:p>
+        </p:txBody>
+      </p:sp>
+      <p:sp>
+        <p:nvSpPr>
+          <p:cNvPr id="3" name="Title 2"/>
+          <p:cNvSpPr>
+            <a:spLocks noGrp="1"/>
+          </p:cNvSpPr>
+          <p:nvPr>
+            <p:ph type="title"/>
+          </p:nvPr>
+        </p:nvSpPr>
+        <p:spPr/>
+        <p:txBody>
+          <a:bodyPr/>
+          <a:lstStyle/>
+          <a:p>
+            <a:pPr algn="ctr"/>
+            <a:r>
+              <a:rPr lang="en-US" dirty="0" smtClean="0"/>
+              <a:t>Future Work</a:t>
+            </a:r>
+            <a:endParaRPr lang="en-US" dirty="0"/>
+          </a:p>
+        </p:txBody>
+      </p:sp>
+    </p:spTree>
+    <p:extLst>
+      <p:ext uri="{BB962C8B-B14F-4D97-AF65-F5344CB8AC3E}">
+        <p14:creationId xmlns:p14="http://schemas.microsoft.com/office/powerpoint/2010/main" val="246031478"/>
+      </p:ext>
+    </p:extLst>
   </p:cSld>
   <p:clrMapOvr>
     <a:masterClrMapping/>
@@ -6239,9 +6382,16 @@
           <a:bodyPr/>
           <a:lstStyle/>
           <a:p>
+            <a:endParaRPr lang="en-US" dirty="0" smtClean="0"/>
+          </a:p>
+          <a:p>
             <a:r>
               <a:rPr lang="en-US" dirty="0" smtClean="0"/>
-              <a:t>MSN Search Crawl</a:t>
+              <a:t>MSN </a:t>
+            </a:r>
+            <a:r>
+              <a:rPr lang="en-US" dirty="0" smtClean="0"/>
+              <a:t>Search Crawl</a:t>
             </a:r>
           </a:p>
           <a:p>
@@ -6253,8 +6403,15 @@
           <a:p>
             <a:r>
               <a:rPr lang="en-US" dirty="0" smtClean="0"/>
-              <a:t>Already some spam filtering</a:t>
-            </a:r>
+              <a:t>Already some spam </a:t>
+            </a:r>
+            <a:r>
+              <a:rPr lang="en-US" dirty="0" smtClean="0"/>
+              <a:t>filtering</a:t>
+            </a:r>
+          </a:p>
+          <a:p>
+            <a:endParaRPr lang="en-US" dirty="0" smtClean="0"/>
           </a:p>
           <a:p>
             <a:r>
@@ -6553,7 +6710,11 @@
           <a:p>
             <a:r>
               <a:rPr lang="en-US" dirty="0" smtClean="0"/>
-              <a:t>14,804 pages were non-spam (86.2%)</a:t>
+              <a:t>14,803 </a:t>
+            </a:r>
+            <a:r>
+              <a:rPr lang="en-US" dirty="0" smtClean="0"/>
+              <a:t>pages were non-spam (86.2%)</a:t>
             </a:r>
           </a:p>
           <a:p>
